--- a/parsers/RCA_DataLineage_Presentation.pptx
+++ b/parsers/RCA_DataLineage_Presentation.pptx
@@ -17,6 +17,7 @@
     <p:sldId id="265" r:id="rId16"/>
     <p:sldId id="266" r:id="rId17"/>
     <p:sldId id="267" r:id="rId18"/>
+    <p:sldId id="268" r:id="rId19"/>
   </p:sldIdLst>
   <p:sldSz cx="9144000" cy="6858000" type="screen4x3"/>
   <p:notesSz cx="6858000" cy="9144000"/>
@@ -3253,21 +3254,75 @@
               </a:defRPr>
             </a:pPr>
             <a:r>
-              <a:t>Technology Stack: AI-Powered</a:t>
-            </a:r>
-          </a:p>
-        </p:txBody>
-      </p:sp>
-      <p:sp>
-        <p:nvSpPr>
-          <p:cNvPr id="3" name="TextBox 2"/>
+              <a:t>How It Works: AI + Knowledge Graph</a:t>
+            </a:r>
+          </a:p>
+        </p:txBody>
+      </p:sp>
+      <p:sp>
+        <p:nvSpPr>
+          <p:cNvPr id="3" name="Rectangle 2"/>
+          <p:cNvSpPr/>
+          <p:nvPr/>
+        </p:nvSpPr>
+        <p:spPr>
+          <a:xfrm>
+            <a:off x="731520" y="2286000"/>
+            <a:ext cx="2286000" cy="1097280"/>
+          </a:xfrm>
+          <a:prstGeom prst="rect">
+            <a:avLst/>
+          </a:prstGeom>
+          <a:solidFill>
+            <a:srgbClr val="0066CC"/>
+          </a:solidFill>
+          <a:ln w="25400">
+            <a:solidFill>
+              <a:srgbClr val="003366"/>
+            </a:solidFill>
+          </a:ln>
+        </p:spPr>
+        <p:style>
+          <a:lnRef idx="1">
+            <a:schemeClr val="accent1"/>
+          </a:lnRef>
+          <a:fillRef idx="3">
+            <a:schemeClr val="accent1"/>
+          </a:fillRef>
+          <a:effectRef idx="2">
+            <a:schemeClr val="accent1"/>
+          </a:effectRef>
+          <a:fontRef idx="minor">
+            <a:schemeClr val="lt1"/>
+          </a:fontRef>
+        </p:style>
+        <p:txBody>
+          <a:bodyPr rtlCol="0" anchor="ctr" wrap="square"/>
+          <a:lstStyle/>
+          <a:p>
+            <a:pPr algn="ctr">
+              <a:defRPr sz="2000" b="1">
+                <a:solidFill>
+                  <a:srgbClr val="FFFFFF"/>
+                </a:solidFill>
+              </a:defRPr>
+            </a:pPr>
+            <a:r>
+              <a:t>1. Parse Code</a:t>
+            </a:r>
+          </a:p>
+        </p:txBody>
+      </p:sp>
+      <p:sp>
+        <p:nvSpPr>
+          <p:cNvPr id="4" name="TextBox 3"/>
           <p:cNvSpPr txBox="1"/>
           <p:nvPr/>
         </p:nvSpPr>
         <p:spPr>
           <a:xfrm>
-            <a:off x="1371600" y="1645920"/>
-            <a:ext cx="6400800" cy="4572000"/>
+            <a:off x="731520" y="3566160"/>
+            <a:ext cx="2286000" cy="731520"/>
           </a:xfrm>
           <a:prstGeom prst="rect">
             <a:avLst/>
@@ -3279,80 +3334,272 @@
             <a:spAutoFit/>
           </a:bodyPr>
           <a:lstStyle/>
-          <a:p/>
-          <a:p>
-            <a:pPr>
-              <a:spcBef>
-                <a:spcPts val="2500"/>
-              </a:spcBef>
-              <a:defRPr sz="2400" b="1">
-                <a:solidFill>
-                  <a:srgbClr val="009900"/>
-                </a:solidFill>
-              </a:defRPr>
-            </a:pPr>
-            <a:r>
-              <a:t>✅  Knowledge Graph (SQL Server Graph DB)</a:t>
-            </a:r>
-          </a:p>
-          <a:p>
-            <a:pPr>
-              <a:spcBef>
-                <a:spcPts val="2500"/>
-              </a:spcBef>
-              <a:defRPr sz="2400" b="1">
-                <a:solidFill>
-                  <a:srgbClr val="009900"/>
-                </a:solidFill>
-              </a:defRPr>
-            </a:pPr>
-            <a:r>
-              <a:t>✅  Code Parser (Python AST Analysis)</a:t>
-            </a:r>
-          </a:p>
-          <a:p>
-            <a:pPr>
-              <a:spcBef>
-                <a:spcPts val="2500"/>
-              </a:spcBef>
-              <a:defRPr sz="2400" b="1">
-                <a:solidFill>
-                  <a:srgbClr val="009900"/>
-                </a:solidFill>
-              </a:defRPr>
-            </a:pPr>
-            <a:r>
-              <a:t>✅  LLM Integration (GPT-4 / Claude / GitHub Copilot)</a:t>
-            </a:r>
-          </a:p>
-          <a:p>
-            <a:pPr>
-              <a:spcBef>
-                <a:spcPts val="2500"/>
-              </a:spcBef>
-              <a:defRPr sz="2400" b="1">
-                <a:solidFill>
-                  <a:srgbClr val="009900"/>
-                </a:solidFill>
-              </a:defRPr>
-            </a:pPr>
-            <a:r>
-              <a:t>✅  Natural Language Interface</a:t>
-            </a:r>
-          </a:p>
-          <a:p>
-            <a:pPr>
-              <a:spcBef>
-                <a:spcPts val="2500"/>
-              </a:spcBef>
-              <a:defRPr sz="2400" b="1">
-                <a:solidFill>
-                  <a:srgbClr val="009900"/>
-                </a:solidFill>
-              </a:defRPr>
-            </a:pPr>
-            <a:r>
-              <a:t>✅  Automated Context Generation for AI</a:t>
+          <a:p>
+            <a:pPr algn="ctr">
+              <a:defRPr sz="1600"/>
+            </a:pPr>
+            <a:r>
+              <a:t>Build knowledge graph of all functions &amp; dependencies</a:t>
+            </a:r>
+          </a:p>
+        </p:txBody>
+      </p:sp>
+      <p:sp>
+        <p:nvSpPr>
+          <p:cNvPr id="5" name="Can 4"/>
+          <p:cNvSpPr/>
+          <p:nvPr/>
+        </p:nvSpPr>
+        <p:spPr>
+          <a:xfrm>
+            <a:off x="3108960" y="2651760"/>
+            <a:ext cx="365760" cy="365760"/>
+          </a:xfrm>
+          <a:prstGeom prst="can">
+            <a:avLst/>
+          </a:prstGeom>
+          <a:solidFill>
+            <a:srgbClr val="009900"/>
+          </a:solidFill>
+          <a:ln>
+            <a:solidFill>
+              <a:srgbClr val="009900"/>
+            </a:solidFill>
+          </a:ln>
+        </p:spPr>
+        <p:style>
+          <a:lnRef idx="1">
+            <a:schemeClr val="accent1"/>
+          </a:lnRef>
+          <a:fillRef idx="3">
+            <a:schemeClr val="accent1"/>
+          </a:fillRef>
+          <a:effectRef idx="2">
+            <a:schemeClr val="accent1"/>
+          </a:effectRef>
+          <a:fontRef idx="minor">
+            <a:schemeClr val="lt1"/>
+          </a:fontRef>
+        </p:style>
+        <p:txBody>
+          <a:bodyPr rtlCol="0" anchor="ctr"/>
+          <a:lstStyle/>
+          <a:p>
+            <a:pPr algn="ctr"/>
+          </a:p>
+        </p:txBody>
+      </p:sp>
+      <p:sp>
+        <p:nvSpPr>
+          <p:cNvPr id="6" name="Rectangle 5"/>
+          <p:cNvSpPr/>
+          <p:nvPr/>
+        </p:nvSpPr>
+        <p:spPr>
+          <a:xfrm>
+            <a:off x="3749039" y="2286000"/>
+            <a:ext cx="2286000" cy="1097280"/>
+          </a:xfrm>
+          <a:prstGeom prst="rect">
+            <a:avLst/>
+          </a:prstGeom>
+          <a:solidFill>
+            <a:srgbClr val="0066CC"/>
+          </a:solidFill>
+          <a:ln w="25400">
+            <a:solidFill>
+              <a:srgbClr val="003366"/>
+            </a:solidFill>
+          </a:ln>
+        </p:spPr>
+        <p:style>
+          <a:lnRef idx="1">
+            <a:schemeClr val="accent1"/>
+          </a:lnRef>
+          <a:fillRef idx="3">
+            <a:schemeClr val="accent1"/>
+          </a:fillRef>
+          <a:effectRef idx="2">
+            <a:schemeClr val="accent1"/>
+          </a:effectRef>
+          <a:fontRef idx="minor">
+            <a:schemeClr val="lt1"/>
+          </a:fontRef>
+        </p:style>
+        <p:txBody>
+          <a:bodyPr rtlCol="0" anchor="ctr" wrap="square"/>
+          <a:lstStyle/>
+          <a:p>
+            <a:pPr algn="ctr">
+              <a:defRPr sz="2000" b="1">
+                <a:solidFill>
+                  <a:srgbClr val="FFFFFF"/>
+                </a:solidFill>
+              </a:defRPr>
+            </a:pPr>
+            <a:r>
+              <a:t>2. AI Analysis</a:t>
+            </a:r>
+          </a:p>
+        </p:txBody>
+      </p:sp>
+      <p:sp>
+        <p:nvSpPr>
+          <p:cNvPr id="7" name="TextBox 6"/>
+          <p:cNvSpPr txBox="1"/>
+          <p:nvPr/>
+        </p:nvSpPr>
+        <p:spPr>
+          <a:xfrm>
+            <a:off x="3749039" y="3566160"/>
+            <a:ext cx="2286000" cy="731520"/>
+          </a:xfrm>
+          <a:prstGeom prst="rect">
+            <a:avLst/>
+          </a:prstGeom>
+          <a:noFill/>
+        </p:spPr>
+        <p:txBody>
+          <a:bodyPr wrap="square">
+            <a:spAutoFit/>
+          </a:bodyPr>
+          <a:lstStyle/>
+          <a:p>
+            <a:pPr algn="ctr">
+              <a:defRPr sz="1600"/>
+            </a:pPr>
+            <a:r>
+              <a:t>LLM analyzes graph, understands relationships &amp; data flow</a:t>
+            </a:r>
+          </a:p>
+        </p:txBody>
+      </p:sp>
+      <p:sp>
+        <p:nvSpPr>
+          <p:cNvPr id="8" name="Can 7"/>
+          <p:cNvSpPr/>
+          <p:nvPr/>
+        </p:nvSpPr>
+        <p:spPr>
+          <a:xfrm>
+            <a:off x="6126479" y="2651760"/>
+            <a:ext cx="365760" cy="365760"/>
+          </a:xfrm>
+          <a:prstGeom prst="can">
+            <a:avLst/>
+          </a:prstGeom>
+          <a:solidFill>
+            <a:srgbClr val="009900"/>
+          </a:solidFill>
+          <a:ln>
+            <a:solidFill>
+              <a:srgbClr val="009900"/>
+            </a:solidFill>
+          </a:ln>
+        </p:spPr>
+        <p:style>
+          <a:lnRef idx="1">
+            <a:schemeClr val="accent1"/>
+          </a:lnRef>
+          <a:fillRef idx="3">
+            <a:schemeClr val="accent1"/>
+          </a:fillRef>
+          <a:effectRef idx="2">
+            <a:schemeClr val="accent1"/>
+          </a:effectRef>
+          <a:fontRef idx="minor">
+            <a:schemeClr val="lt1"/>
+          </a:fontRef>
+        </p:style>
+        <p:txBody>
+          <a:bodyPr rtlCol="0" anchor="ctr"/>
+          <a:lstStyle/>
+          <a:p>
+            <a:pPr algn="ctr"/>
+          </a:p>
+        </p:txBody>
+      </p:sp>
+      <p:sp>
+        <p:nvSpPr>
+          <p:cNvPr id="9" name="Rectangle 8"/>
+          <p:cNvSpPr/>
+          <p:nvPr/>
+        </p:nvSpPr>
+        <p:spPr>
+          <a:xfrm>
+            <a:off x="6766559" y="2286000"/>
+            <a:ext cx="2286000" cy="1097280"/>
+          </a:xfrm>
+          <a:prstGeom prst="rect">
+            <a:avLst/>
+          </a:prstGeom>
+          <a:solidFill>
+            <a:srgbClr val="0066CC"/>
+          </a:solidFill>
+          <a:ln w="25400">
+            <a:solidFill>
+              <a:srgbClr val="003366"/>
+            </a:solidFill>
+          </a:ln>
+        </p:spPr>
+        <p:style>
+          <a:lnRef idx="1">
+            <a:schemeClr val="accent1"/>
+          </a:lnRef>
+          <a:fillRef idx="3">
+            <a:schemeClr val="accent1"/>
+          </a:fillRef>
+          <a:effectRef idx="2">
+            <a:schemeClr val="accent1"/>
+          </a:effectRef>
+          <a:fontRef idx="minor">
+            <a:schemeClr val="lt1"/>
+          </a:fontRef>
+        </p:style>
+        <p:txBody>
+          <a:bodyPr rtlCol="0" anchor="ctr" wrap="square"/>
+          <a:lstStyle/>
+          <a:p>
+            <a:pPr algn="ctr">
+              <a:defRPr sz="2000" b="1">
+                <a:solidFill>
+                  <a:srgbClr val="FFFFFF"/>
+                </a:solidFill>
+              </a:defRPr>
+            </a:pPr>
+            <a:r>
+              <a:t>3. Natural Language</a:t>
+            </a:r>
+          </a:p>
+        </p:txBody>
+      </p:sp>
+      <p:sp>
+        <p:nvSpPr>
+          <p:cNvPr id="10" name="TextBox 9"/>
+          <p:cNvSpPr txBox="1"/>
+          <p:nvPr/>
+        </p:nvSpPr>
+        <p:spPr>
+          <a:xfrm>
+            <a:off x="6766559" y="3566160"/>
+            <a:ext cx="2286000" cy="731520"/>
+          </a:xfrm>
+          <a:prstGeom prst="rect">
+            <a:avLst/>
+          </a:prstGeom>
+          <a:noFill/>
+        </p:spPr>
+        <p:txBody>
+          <a:bodyPr wrap="square">
+            <a:spAutoFit/>
+          </a:bodyPr>
+          <a:lstStyle/>
+          <a:p>
+            <a:pPr algn="ctr">
+              <a:defRPr sz="1600"/>
+            </a:pPr>
+            <a:r>
+              <a:t>Engineers query in plain English, AI provides intelligent answers</a:t>
             </a:r>
           </a:p>
         </p:txBody>
@@ -3405,7 +3652,7 @@
               </a:defRPr>
             </a:pPr>
             <a:r>
-              <a:t>Why AI Makes the Difference</a:t>
+              <a:t>Technology Stack: AI-Powered</a:t>
             </a:r>
           </a:p>
         </p:txBody>
@@ -3418,8 +3665,8 @@
         </p:nvSpPr>
         <p:spPr>
           <a:xfrm>
-            <a:off x="914400" y="1463040"/>
-            <a:ext cx="7315200" cy="3200400"/>
+            <a:off x="1371600" y="1645920"/>
+            <a:ext cx="6400800" cy="4572000"/>
           </a:xfrm>
           <a:prstGeom prst="rect">
             <a:avLst/>
@@ -3434,125 +3681,77 @@
           <a:p/>
           <a:p>
             <a:pPr>
-              <a:spcAft>
-                <a:spcPts val="1500"/>
-              </a:spcAft>
-              <a:defRPr sz="2600" b="1"/>
-            </a:pPr>
-            <a:r>
-              <a:t>🤖 AI Advantages:</a:t>
+              <a:spcBef>
+                <a:spcPts val="2500"/>
+              </a:spcBef>
+              <a:defRPr sz="2400" b="1">
+                <a:solidFill>
+                  <a:srgbClr val="009900"/>
+                </a:solidFill>
+              </a:defRPr>
+            </a:pPr>
+            <a:r>
+              <a:t>✅  Knowledge Graph (SQL Server Graph DB)</a:t>
             </a:r>
           </a:p>
           <a:p>
             <a:pPr>
               <a:spcBef>
-                <a:spcPts val="1200"/>
+                <a:spcPts val="2500"/>
               </a:spcBef>
-              <a:defRPr sz="2200"/>
-            </a:pPr>
-            <a:r>
-              <a:t>✓  Natural language queries - No need to learn query syntax</a:t>
+              <a:defRPr sz="2400" b="1">
+                <a:solidFill>
+                  <a:srgbClr val="009900"/>
+                </a:solidFill>
+              </a:defRPr>
+            </a:pPr>
+            <a:r>
+              <a:t>✅  Code Parser (Python AST Analysis)</a:t>
             </a:r>
           </a:p>
           <a:p>
             <a:pPr>
               <a:spcBef>
-                <a:spcPts val="1200"/>
+                <a:spcPts val="2500"/>
               </a:spcBef>
-              <a:defRPr sz="2200"/>
-            </a:pPr>
-            <a:r>
-              <a:t>✓  Intelligent insights - AI suggests root causes &amp; fixes</a:t>
+              <a:defRPr sz="2400" b="1">
+                <a:solidFill>
+                  <a:srgbClr val="009900"/>
+                </a:solidFill>
+              </a:defRPr>
+            </a:pPr>
+            <a:r>
+              <a:t>✅  LLM Integration (GPT-4 / Claude / GitHub Copilot)</a:t>
             </a:r>
           </a:p>
           <a:p>
             <a:pPr>
               <a:spcBef>
-                <a:spcPts val="1200"/>
+                <a:spcPts val="2500"/>
               </a:spcBef>
-              <a:defRPr sz="2200"/>
-            </a:pPr>
-            <a:r>
-              <a:t>✓  Context-aware - Understands business impact, not just code</a:t>
+              <a:defRPr sz="2400" b="1">
+                <a:solidFill>
+                  <a:srgbClr val="009900"/>
+                </a:solidFill>
+              </a:defRPr>
+            </a:pPr>
+            <a:r>
+              <a:t>✅  Natural Language Interface</a:t>
             </a:r>
           </a:p>
           <a:p>
             <a:pPr>
               <a:spcBef>
-                <a:spcPts val="3500"/>
+                <a:spcPts val="2500"/>
               </a:spcBef>
-              <a:spcAft>
-                <a:spcPts val="1500"/>
-              </a:spcAft>
-              <a:defRPr sz="2600" b="1">
+              <a:defRPr sz="2400" b="1">
                 <a:solidFill>
                   <a:srgbClr val="009900"/>
                 </a:solidFill>
               </a:defRPr>
             </a:pPr>
             <a:r>
-              <a:t>📊 Business Value:</a:t>
-            </a:r>
-          </a:p>
-          <a:p>
-            <a:pPr>
-              <a:spcBef>
-                <a:spcPts val="1000"/>
-              </a:spcBef>
-              <a:defRPr sz="2200" b="1">
-                <a:solidFill>
-                  <a:srgbClr val="009900"/>
-                </a:solidFill>
-              </a:defRPr>
-            </a:pPr>
-            <a:r>
-              <a:t>2-4 hours → &lt; 5 seconds = 99% faster incident resolution</a:t>
-            </a:r>
-          </a:p>
-        </p:txBody>
-      </p:sp>
-      <p:sp>
-        <p:nvSpPr>
-          <p:cNvPr id="4" name="TextBox 3"/>
-          <p:cNvSpPr txBox="1"/>
-          <p:nvPr/>
-        </p:nvSpPr>
-        <p:spPr>
-          <a:xfrm>
-            <a:off x="1828800" y="5029200"/>
-            <a:ext cx="5486400" cy="1097280"/>
-          </a:xfrm>
-          <a:prstGeom prst="rect">
-            <a:avLst/>
-          </a:prstGeom>
-          <a:solidFill>
-            <a:srgbClr val="009900"/>
-          </a:solidFill>
-          <a:ln w="38100">
-            <a:solidFill>
-              <a:srgbClr val="006600"/>
-            </a:solidFill>
-          </a:ln>
-        </p:spPr>
-        <p:txBody>
-          <a:bodyPr wrap="none">
-            <a:spAutoFit/>
-          </a:bodyPr>
-          <a:lstStyle/>
-          <a:p>
-            <a:pPr algn="ctr">
-              <a:defRPr sz="2000" b="1">
-                <a:solidFill>
-                  <a:srgbClr val="FFFFFF"/>
-                </a:solidFill>
-              </a:defRPr>
-            </a:pPr>
-            <a:r>
-              <a:t>AI-Powered RCA:</a:t>
-            </a:r>
-            <a:br/>
-            <a:r>
-              <a:t>Reduces downtime → Improves reliability → Increases revenue</a:t>
+              <a:t>✅  Automated Context Generation for AI</a:t>
             </a:r>
           </a:p>
         </p:txBody>
@@ -3583,6 +3782,206 @@
         </p:nvSpPr>
         <p:spPr>
           <a:xfrm>
+            <a:off x="457200" y="457200"/>
+            <a:ext cx="8229600" cy="731520"/>
+          </a:xfrm>
+          <a:prstGeom prst="rect">
+            <a:avLst/>
+          </a:prstGeom>
+          <a:noFill/>
+        </p:spPr>
+        <p:txBody>
+          <a:bodyPr wrap="none">
+            <a:spAutoFit/>
+          </a:bodyPr>
+          <a:lstStyle/>
+          <a:p>
+            <a:pPr>
+              <a:defRPr sz="3600" b="1">
+                <a:solidFill>
+                  <a:srgbClr val="003366"/>
+                </a:solidFill>
+              </a:defRPr>
+            </a:pPr>
+            <a:r>
+              <a:t>Why AI Makes the Difference</a:t>
+            </a:r>
+          </a:p>
+        </p:txBody>
+      </p:sp>
+      <p:sp>
+        <p:nvSpPr>
+          <p:cNvPr id="3" name="TextBox 2"/>
+          <p:cNvSpPr txBox="1"/>
+          <p:nvPr/>
+        </p:nvSpPr>
+        <p:spPr>
+          <a:xfrm>
+            <a:off x="914400" y="1463040"/>
+            <a:ext cx="7315200" cy="3200400"/>
+          </a:xfrm>
+          <a:prstGeom prst="rect">
+            <a:avLst/>
+          </a:prstGeom>
+          <a:noFill/>
+        </p:spPr>
+        <p:txBody>
+          <a:bodyPr wrap="square">
+            <a:spAutoFit/>
+          </a:bodyPr>
+          <a:lstStyle/>
+          <a:p/>
+          <a:p>
+            <a:pPr>
+              <a:spcAft>
+                <a:spcPts val="1500"/>
+              </a:spcAft>
+              <a:defRPr sz="2600" b="1"/>
+            </a:pPr>
+            <a:r>
+              <a:t>🤖 AI Advantages:</a:t>
+            </a:r>
+          </a:p>
+          <a:p>
+            <a:pPr>
+              <a:spcBef>
+                <a:spcPts val="1200"/>
+              </a:spcBef>
+              <a:defRPr sz="2200"/>
+            </a:pPr>
+            <a:r>
+              <a:t>✓  Natural language queries - No need to learn query syntax</a:t>
+            </a:r>
+          </a:p>
+          <a:p>
+            <a:pPr>
+              <a:spcBef>
+                <a:spcPts val="1200"/>
+              </a:spcBef>
+              <a:defRPr sz="2200"/>
+            </a:pPr>
+            <a:r>
+              <a:t>✓  Intelligent insights - AI suggests root causes &amp; fixes</a:t>
+            </a:r>
+          </a:p>
+          <a:p>
+            <a:pPr>
+              <a:spcBef>
+                <a:spcPts val="1200"/>
+              </a:spcBef>
+              <a:defRPr sz="2200"/>
+            </a:pPr>
+            <a:r>
+              <a:t>✓  Context-aware - Understands business impact, not just code</a:t>
+            </a:r>
+          </a:p>
+          <a:p>
+            <a:pPr>
+              <a:spcBef>
+                <a:spcPts val="3500"/>
+              </a:spcBef>
+              <a:spcAft>
+                <a:spcPts val="1500"/>
+              </a:spcAft>
+              <a:defRPr sz="2600" b="1">
+                <a:solidFill>
+                  <a:srgbClr val="009900"/>
+                </a:solidFill>
+              </a:defRPr>
+            </a:pPr>
+            <a:r>
+              <a:t>📊 Business Value:</a:t>
+            </a:r>
+          </a:p>
+          <a:p>
+            <a:pPr>
+              <a:spcBef>
+                <a:spcPts val="1000"/>
+              </a:spcBef>
+              <a:defRPr sz="2200" b="1">
+                <a:solidFill>
+                  <a:srgbClr val="009900"/>
+                </a:solidFill>
+              </a:defRPr>
+            </a:pPr>
+            <a:r>
+              <a:t>2-4 hours → &lt; 5 seconds = 99% faster incident resolution</a:t>
+            </a:r>
+          </a:p>
+        </p:txBody>
+      </p:sp>
+      <p:sp>
+        <p:nvSpPr>
+          <p:cNvPr id="4" name="TextBox 3"/>
+          <p:cNvSpPr txBox="1"/>
+          <p:nvPr/>
+        </p:nvSpPr>
+        <p:spPr>
+          <a:xfrm>
+            <a:off x="1828800" y="5029200"/>
+            <a:ext cx="5486400" cy="1097280"/>
+          </a:xfrm>
+          <a:prstGeom prst="rect">
+            <a:avLst/>
+          </a:prstGeom>
+          <a:solidFill>
+            <a:srgbClr val="009900"/>
+          </a:solidFill>
+          <a:ln w="38100">
+            <a:solidFill>
+              <a:srgbClr val="006600"/>
+            </a:solidFill>
+          </a:ln>
+        </p:spPr>
+        <p:txBody>
+          <a:bodyPr wrap="none">
+            <a:spAutoFit/>
+          </a:bodyPr>
+          <a:lstStyle/>
+          <a:p>
+            <a:pPr algn="ctr">
+              <a:defRPr sz="2000" b="1">
+                <a:solidFill>
+                  <a:srgbClr val="FFFFFF"/>
+                </a:solidFill>
+              </a:defRPr>
+            </a:pPr>
+            <a:r>
+              <a:t>AI-Powered RCA:</a:t>
+            </a:r>
+            <a:br/>
+            <a:r>
+              <a:t>Reduces downtime → Improves reliability → Increases revenue</a:t>
+            </a:r>
+          </a:p>
+        </p:txBody>
+      </p:sp>
+    </p:spTree>
+  </p:cSld>
+  <p:clrMapOvr>
+    <a:masterClrMapping/>
+  </p:clrMapOvr>
+</p:sld>
+</file>
+
+<file path=ppt/slides/slide13.xml><?xml version="1.0" encoding="utf-8"?>
+<p:sld xmlns:a="http://schemas.openxmlformats.org/drawingml/2006/main" xmlns:p="http://schemas.openxmlformats.org/presentationml/2006/main" xmlns:r="http://schemas.openxmlformats.org/officeDocument/2006/relationships">
+  <p:cSld>
+    <p:spTree>
+      <p:nvGrpSpPr>
+        <p:cNvPr id="1" name=""/>
+        <p:cNvGrpSpPr/>
+        <p:nvPr/>
+      </p:nvGrpSpPr>
+      <p:grpSpPr/>
+      <p:sp>
+        <p:nvSpPr>
+          <p:cNvPr id="2" name="TextBox 1"/>
+          <p:cNvSpPr txBox="1"/>
+          <p:nvPr/>
+        </p:nvSpPr>
+        <p:spPr>
+          <a:xfrm>
             <a:off x="914400" y="2286000"/>
             <a:ext cx="7315200" cy="1371600"/>
           </a:xfrm>
@@ -4187,7 +4586,7 @@
               </a:defRPr>
             </a:pPr>
             <a:r>
-              <a:t>Scenario 1: AI-Powered RCA</a:t>
+              <a:t>Demo 1: RCA - Function Dependency Analysis</a:t>
             </a:r>
           </a:p>
         </p:txBody>
@@ -4216,14 +4615,14 @@
           <a:p/>
           <a:p>
             <a:pPr>
-              <a:defRPr sz="2800" b="1">
-                <a:solidFill>
-                  <a:srgbClr val="CC0000"/>
-                </a:solidFill>
-              </a:defRPr>
-            </a:pPr>
-            <a:r>
-              <a:t>⚠️  INCIDENT ALERT</a:t>
+              <a:defRPr sz="2600" b="1">
+                <a:solidFill>
+                  <a:srgbClr val="0066CC"/>
+                </a:solidFill>
+              </a:defRPr>
+            </a:pPr>
+            <a:r>
+              <a:t>💬 Business Question:</a:t>
             </a:r>
           </a:p>
           <a:p>
@@ -4232,53 +4631,51 @@
                 <a:spcPts val="1000"/>
               </a:spcBef>
               <a:spcAft>
-                <a:spcPts val="2500"/>
+                <a:spcPts val="2000"/>
               </a:spcAft>
-              <a:defRPr sz="2200"/>
-            </a:pPr>
-            <a:r>
-              <a:t>Function 'check_order_velocity' is failing in production</a:t>
+              <a:defRPr sz="2200" i="1"/>
+            </a:pPr>
+            <a:r>
+              <a:t>"Which workflows use the check_order_velocity function?"</a:t>
             </a:r>
           </a:p>
           <a:p>
             <a:pPr>
               <a:spcBef>
-                <a:spcPts val="2000"/>
+                <a:spcPts val="1500"/>
+              </a:spcBef>
+              <a:defRPr sz="2200" b="1"/>
+            </a:pPr>
+            <a:r>
+              <a:t>⌨️ Command:</a:t>
+            </a:r>
+          </a:p>
+          <a:p>
+            <a:pPr lvl="1">
+              <a:spcBef>
+                <a:spcPts val="500"/>
+              </a:spcBef>
+              <a:defRPr sz="1800">
+                <a:latin typeface="Courier New"/>
+              </a:defRPr>
+            </a:pPr>
+            <a:r>
+              <a:t>python query_workflows_rca.py --function check_order_velocity</a:t>
+            </a:r>
+          </a:p>
+          <a:p>
+            <a:pPr>
+              <a:spcBef>
+                <a:spcPts val="2500"/>
               </a:spcBef>
               <a:defRPr sz="2400" b="1">
                 <a:solidFill>
-                  <a:srgbClr val="0066CC"/>
-                </a:solidFill>
-              </a:defRPr>
-            </a:pPr>
-            <a:r>
-              <a:t>💬 Engineer asks AI (Natural Language):</a:t>
-            </a:r>
-          </a:p>
-          <a:p>
-            <a:pPr lvl="1">
-              <a:spcBef>
-                <a:spcPts val="800"/>
-              </a:spcBef>
-              <a:defRPr sz="2000" i="1"/>
-            </a:pPr>
-            <a:r>
-              <a:t>"Which workflows are affected if check_order_velocity fails?"</a:t>
-            </a:r>
-          </a:p>
-          <a:p>
-            <a:pPr>
-              <a:spcBef>
-                <a:spcPts val="3000"/>
-              </a:spcBef>
-              <a:defRPr sz="2400" b="1">
-                <a:solidFill>
                   <a:srgbClr val="009900"/>
                 </a:solidFill>
               </a:defRPr>
             </a:pPr>
             <a:r>
-              <a:t>🤖 AI Analyzes Knowledge Graph &amp; Responds:</a:t>
+              <a:t>✅ Verified Results (&lt; 5 seconds):</a:t>
             </a:r>
           </a:p>
           <a:p>
@@ -4289,7 +4686,7 @@
               <a:defRPr sz="1900"/>
             </a:pPr>
             <a:r>
-              <a:t>• 3 critical workflows impacted: Retail, Institutional, Algo Trading</a:t>
+              <a:t>• 3 workflows found: Retail, Institutional, Algo</a:t>
             </a:r>
           </a:p>
           <a:p>
@@ -4300,7 +4697,7 @@
               <a:defRPr sz="1900"/>
             </a:pPr>
             <a:r>
-              <a:t>• All order processing is blocked → Zero revenue</a:t>
+              <a:t>• place_order (retail): Step 16/46</a:t>
             </a:r>
           </a:p>
           <a:p>
@@ -4311,7 +4708,18 @@
               <a:defRPr sz="1900"/>
             </a:pPr>
             <a:r>
-              <a:t>• Recommended fix: Check rate limiter configuration</a:t>
+              <a:t>• place_institutional_order: Step 14/31</a:t>
+            </a:r>
+          </a:p>
+          <a:p>
+            <a:pPr lvl="1">
+              <a:spcBef>
+                <a:spcPts val="800"/>
+              </a:spcBef>
+              <a:defRPr sz="1900"/>
+            </a:pPr>
+            <a:r>
+              <a:t>• place_algo_order: Step 10/17</a:t>
             </a:r>
           </a:p>
         </p:txBody>
@@ -4364,7 +4772,7 @@
               </a:defRPr>
             </a:pPr>
             <a:r>
-              <a:t>AI Analysis: Detailed Impact Breakdown</a:t>
+              <a:t>Demo 2: RCA - Service Dependency Mapping</a:t>
             </a:r>
           </a:p>
         </p:txBody>
@@ -4378,7 +4786,7 @@
         <p:spPr>
           <a:xfrm>
             <a:off x="731520" y="1371600"/>
-            <a:ext cx="7772400" cy="5029200"/>
+            <a:ext cx="7772400" cy="4572000"/>
           </a:xfrm>
           <a:prstGeom prst="rect">
             <a:avLst/>
@@ -4393,106 +4801,59 @@
           <a:p/>
           <a:p>
             <a:pPr>
+              <a:defRPr sz="2400" b="1">
+                <a:solidFill>
+                  <a:srgbClr val="0066CC"/>
+                </a:solidFill>
+              </a:defRPr>
+            </a:pPr>
+            <a:r>
+              <a:t>💬 Business Question:</a:t>
+            </a:r>
+          </a:p>
+          <a:p>
+            <a:pPr>
+              <a:spcBef>
+                <a:spcPts val="800"/>
+              </a:spcBef>
               <a:spcAft>
                 <a:spcPts val="1500"/>
               </a:spcAft>
-              <a:defRPr sz="2400" b="1"/>
-            </a:pPr>
-            <a:r>
-              <a:t>🤖 AI explains the full impact:</a:t>
+              <a:defRPr sz="2000" i="1"/>
+            </a:pPr>
+            <a:r>
+              <a:t>"Which workflows depend on risk_service?"</a:t>
             </a:r>
           </a:p>
           <a:p>
             <a:pPr>
               <a:spcBef>
+                <a:spcPts val="1500"/>
+              </a:spcBef>
+              <a:spcAft>
                 <a:spcPts val="2000"/>
-              </a:spcBef>
-              <a:defRPr sz="2200" b="1"/>
-            </a:pPr>
-            <a:r>
-              <a:t>Workflow 1: Retail Orders</a:t>
-            </a:r>
-          </a:p>
-          <a:p>
-            <a:pPr lvl="1">
-              <a:spcBef>
-                <a:spcPts val="500"/>
-              </a:spcBef>
+              </a:spcAft>
               <a:defRPr sz="1800">
-                <a:solidFill>
-                  <a:srgbClr val="CC0000"/>
-                </a:solidFill>
-              </a:defRPr>
-            </a:pPr>
-            <a:r>
-              <a:t>  46 steps total | Step 16 blocked | ⚠️ Customer orders failing</a:t>
+                <a:latin typeface="Courier New"/>
+              </a:defRPr>
+            </a:pPr>
+            <a:r>
+              <a:t>⌨️ python query_workflows_rca.py --service risk_service</a:t>
             </a:r>
           </a:p>
           <a:p>
             <a:pPr>
               <a:spcBef>
-                <a:spcPts val="2000"/>
-              </a:spcBef>
-              <a:defRPr sz="2200" b="1"/>
-            </a:pPr>
-            <a:r>
-              <a:t>Workflow 2: Institutional Orders</a:t>
-            </a:r>
-          </a:p>
-          <a:p>
-            <a:pPr lvl="1">
-              <a:spcBef>
-                <a:spcPts val="500"/>
-              </a:spcBef>
-              <a:defRPr sz="1800">
-                <a:solidFill>
-                  <a:srgbClr val="CC0000"/>
-                </a:solidFill>
-              </a:defRPr>
-            </a:pPr>
-            <a:r>
-              <a:t>  31 steps total | Step 14 blocked | ⚠️ Large trades blocked</a:t>
-            </a:r>
-          </a:p>
-          <a:p>
-            <a:pPr>
-              <a:spcBef>
-                <a:spcPts val="2000"/>
-              </a:spcBef>
-              <a:defRPr sz="2200" b="1"/>
-            </a:pPr>
-            <a:r>
-              <a:t>Workflow 3: Algorithmic Trading</a:t>
-            </a:r>
-          </a:p>
-          <a:p>
-            <a:pPr lvl="1">
-              <a:spcBef>
-                <a:spcPts val="500"/>
-              </a:spcBef>
-              <a:defRPr sz="1800">
-                <a:solidFill>
-                  <a:srgbClr val="CC0000"/>
-                </a:solidFill>
-              </a:defRPr>
-            </a:pPr>
-            <a:r>
-              <a:t>  17 steps total | Step 10 blocked | ⚠️ Automated trading stopped</a:t>
-            </a:r>
-          </a:p>
-          <a:p>
-            <a:pPr>
-              <a:spcBef>
-                <a:spcPts val="3000"/>
+                <a:spcPts val="1500"/>
               </a:spcBef>
               <a:defRPr sz="2400" b="1">
                 <a:solidFill>
-                  <a:srgbClr val="0066CC"/>
-                </a:solidFill>
-              </a:defRPr>
-            </a:pPr>
-            <a:r>
-              <a:t>💡 AI Insight:</a:t>
+                  <a:srgbClr val="009900"/>
+                </a:solidFill>
+              </a:defRPr>
+            </a:pPr>
+            <a:r>
+              <a:t>✅ Verified Results:</a:t>
             </a:r>
           </a:p>
           <a:p>
@@ -4500,10 +4861,58 @@
               <a:spcBef>
                 <a:spcPts val="800"/>
               </a:spcBef>
-              <a:defRPr sz="1800" i="1"/>
-            </a:pPr>
-            <a:r>
-              <a:t>"This function validates order rate limits. Likely cause: Redis cache failure or rate limit threshold misconfiguration. Check logs for connection errors."</a:t>
+              <a:defRPr sz="2000"/>
+            </a:pPr>
+            <a:r>
+              <a:t>• place_algo_order: 17 steps total</a:t>
+            </a:r>
+          </a:p>
+          <a:p>
+            <a:pPr lvl="1">
+              <a:spcBef>
+                <a:spcPts val="800"/>
+              </a:spcBef>
+              <a:defRPr sz="2000"/>
+            </a:pPr>
+            <a:r>
+              <a:t>• place_institutional_order: 31 steps total</a:t>
+            </a:r>
+          </a:p>
+          <a:p>
+            <a:pPr lvl="1">
+              <a:spcBef>
+                <a:spcPts val="800"/>
+              </a:spcBef>
+              <a:defRPr sz="2000"/>
+            </a:pPr>
+            <a:r>
+              <a:t>• place_order (retail): 46 steps total</a:t>
+            </a:r>
+          </a:p>
+          <a:p>
+            <a:pPr>
+              <a:spcBef>
+                <a:spcPts val="2500"/>
+              </a:spcBef>
+              <a:defRPr sz="2400" b="1">
+                <a:solidFill>
+                  <a:srgbClr val="0066CC"/>
+                </a:solidFill>
+              </a:defRPr>
+            </a:pPr>
+            <a:r>
+              <a:t>🤖 Use Case:</a:t>
+            </a:r>
+          </a:p>
+          <a:p>
+            <a:pPr lvl="1">
+              <a:spcBef>
+                <a:spcPts val="800"/>
+              </a:spcBef>
+              <a:defRPr sz="1900"/>
+            </a:pPr>
+            <a:r>
+              <a:t>Instant blast radius analysis for incident management</a:t>
             </a:r>
           </a:p>
         </p:txBody>
@@ -4538,7 +4947,7 @@
               </a:defRPr>
             </a:pPr>
             <a:r>
-              <a:t>⏱️ AI analysis time: &lt; 5 seconds (vs 2-3 hours manual investigation)</a:t>
+              <a:t>⏱️ Query time: &lt; 5 seconds | Database stores 9 pre-computed workflows</a:t>
             </a:r>
           </a:p>
         </p:txBody>
@@ -4591,7 +5000,7 @@
               </a:defRPr>
             </a:pPr>
             <a:r>
-              <a:t>Scenario 2: AI-Powered Data Lineage</a:t>
+              <a:t>Demo 3: Data Lineage - Field Tracking</a:t>
             </a:r>
           </a:p>
         </p:txBody>
@@ -4620,14 +5029,14 @@
           <a:p/>
           <a:p>
             <a:pPr>
-              <a:defRPr sz="2800" b="1">
+              <a:defRPr sz="2600" b="1">
                 <a:solidFill>
                   <a:srgbClr val="0066CC"/>
                 </a:solidFill>
               </a:defRPr>
             </a:pPr>
             <a:r>
-              <a:t>🔍 DATA QUALITY ISSUE</a:t>
+              <a:t>💬 Business Question:</a:t>
             </a:r>
           </a:p>
           <a:p>
@@ -4636,12 +5045,28 @@
                 <a:spcPts val="1000"/>
               </a:spcBef>
               <a:spcAft>
-                <a:spcPts val="2500"/>
+                <a:spcPts val="2000"/>
               </a:spcAft>
-              <a:defRPr sz="2200"/>
-            </a:pPr>
-            <a:r>
-              <a:t>Customer reports incorrect 'risk_score' in order summary</a:t>
+              <a:defRPr sz="2200" i="1"/>
+            </a:pPr>
+            <a:r>
+              <a:t>"Where is estimated_pnl calculated and who uses it?"</a:t>
+            </a:r>
+          </a:p>
+          <a:p>
+            <a:pPr>
+              <a:spcBef>
+                <a:spcPts val="1500"/>
+              </a:spcBef>
+              <a:spcAft>
+                <a:spcPts val="2000"/>
+              </a:spcAft>
+              <a:defRPr sz="1700">
+                <a:latin typeface="Courier New"/>
+              </a:defRPr>
+            </a:pPr>
+            <a:r>
+              <a:t>⌨️ python query_workflows_rca.py --copilot calculate_estimated_pnl</a:t>
             </a:r>
           </a:p>
           <a:p>
@@ -4651,12 +5076,12 @@
               </a:spcBef>
               <a:defRPr sz="2400" b="1">
                 <a:solidFill>
-                  <a:srgbClr val="0066CC"/>
-                </a:solidFill>
-              </a:defRPr>
-            </a:pPr>
-            <a:r>
-              <a:t>💬 Engineer asks AI:</a:t>
+                  <a:srgbClr val="009900"/>
+                </a:solidFill>
+              </a:defRPr>
+            </a:pPr>
+            <a:r>
+              <a:t>✅ Verified Results:</a:t>
             </a:r>
           </a:p>
           <a:p>
@@ -4664,58 +5089,69 @@
               <a:spcBef>
                 <a:spcPts val="800"/>
               </a:spcBef>
-              <a:defRPr sz="2000" i="1"/>
-            </a:pPr>
-            <a:r>
-              <a:t>"Trace the data lineage of risk_score field. Where does it get calculated and modified?"</a:t>
+              <a:defRPr sz="1900"/>
+            </a:pPr>
+            <a:r>
+              <a:t>• Source: calculate_estimated_pnl (pricing_pnl_service)</a:t>
+            </a:r>
+          </a:p>
+          <a:p>
+            <a:pPr lvl="1">
+              <a:spcBef>
+                <a:spcPts val="800"/>
+              </a:spcBef>
+              <a:defRPr sz="1900"/>
+            </a:pPr>
+            <a:r>
+              <a:t>• Used in: place_order (Step 11/46)</a:t>
+            </a:r>
+          </a:p>
+          <a:p>
+            <a:pPr lvl="1">
+              <a:spcBef>
+                <a:spcPts val="800"/>
+              </a:spcBef>
+              <a:defRPr sz="1900"/>
+            </a:pPr>
+            <a:r>
+              <a:t>• Used in: place_institutional_order (Step 11/31)</a:t>
+            </a:r>
+          </a:p>
+          <a:p>
+            <a:pPr lvl="1">
+              <a:spcBef>
+                <a:spcPts val="800"/>
+              </a:spcBef>
+              <a:defRPr sz="1900"/>
+            </a:pPr>
+            <a:r>
+              <a:t>• Data flows: pricing → risk → orchestrator</a:t>
             </a:r>
           </a:p>
           <a:p>
             <a:pPr>
               <a:spcBef>
-                <a:spcPts val="3000"/>
+                <a:spcPts val="2500"/>
               </a:spcBef>
               <a:defRPr sz="2400" b="1">
                 <a:solidFill>
-                  <a:srgbClr val="009900"/>
-                </a:solidFill>
-              </a:defRPr>
-            </a:pPr>
-            <a:r>
-              <a:t>🤖 AI Traces Through Knowledge Graph:</a:t>
+                  <a:srgbClr val="0066CC"/>
+                </a:solidFill>
+              </a:defRPr>
+            </a:pPr>
+            <a:r>
+              <a:t>🤖 Use Case:</a:t>
             </a:r>
           </a:p>
           <a:p>
             <a:pPr lvl="1">
               <a:spcBef>
-                <a:spcPts val="1000"/>
+                <a:spcPts val="800"/>
               </a:spcBef>
-              <a:defRPr sz="1800"/>
-            </a:pPr>
-            <a:r>
-              <a:t>• 5 functions touch 'risk_score': calculate_risk_score, adjust_for_volatility, apply_portfolio_factor, aggregate_risk, validate_risk_threshold</a:t>
-            </a:r>
-          </a:p>
-          <a:p>
-            <a:pPr lvl="1">
-              <a:spcBef>
-                <a:spcPts val="1000"/>
-              </a:spcBef>
-              <a:defRPr sz="1800"/>
-            </a:pPr>
-            <a:r>
-              <a:t>• Data flow: order_velocity → market_volatility → risk_score → approval_decision</a:t>
-            </a:r>
-          </a:p>
-          <a:p>
-            <a:pPr lvl="1">
-              <a:spcBef>
-                <a:spcPts val="1000"/>
-              </a:spcBef>
-              <a:defRPr sz="1800"/>
-            </a:pPr>
-            <a:r>
-              <a:t>• Likely culprit: apply_portfolio_factor has recent code change (2 days ago)</a:t>
+              <a:defRPr sz="1900"/>
+            </a:pPr>
+            <a:r>
+              <a:t>Data governance, compliance audits, debugging data quality issues</a:t>
             </a:r>
           </a:p>
         </p:txBody>
@@ -4768,7 +5204,7 @@
               </a:defRPr>
             </a:pPr>
             <a:r>
-              <a:t>Data Lineage: Complete Visibility</a:t>
+              <a:t>Demo 4: Data Lineage - Data Contracts</a:t>
             </a:r>
           </a:p>
         </p:txBody>
@@ -4797,126 +5233,118 @@
           <a:p/>
           <a:p>
             <a:pPr>
+              <a:defRPr sz="2600" b="1">
+                <a:solidFill>
+                  <a:srgbClr val="0066CC"/>
+                </a:solidFill>
+              </a:defRPr>
+            </a:pPr>
+            <a:r>
+              <a:t>💬 Business Question:</a:t>
+            </a:r>
+          </a:p>
+          <a:p>
+            <a:pPr>
+              <a:spcBef>
+                <a:spcPts val="1000"/>
+              </a:spcBef>
               <a:spcAft>
                 <a:spcPts val="2000"/>
               </a:spcAft>
-              <a:defRPr sz="2600" b="1"/>
-            </a:pPr>
-            <a:r>
-              <a:t>What We Track for Every Function:</a:t>
+              <a:defRPr sz="2200" i="1"/>
+            </a:pPr>
+            <a:r>
+              <a:t>"What are all data dependencies for calculate_risk_score?"</a:t>
             </a:r>
           </a:p>
           <a:p>
             <a:pPr>
               <a:spcBef>
+                <a:spcPts val="1500"/>
+              </a:spcBef>
+              <a:spcAft>
                 <a:spcPts val="2000"/>
+              </a:spcAft>
+              <a:defRPr sz="1700">
+                <a:latin typeface="Courier New"/>
+              </a:defRPr>
+            </a:pPr>
+            <a:r>
+              <a:t>⌨️ python query_workflows_rca.py --copilot calculate_risk_score</a:t>
+            </a:r>
+          </a:p>
+          <a:p>
+            <a:pPr>
+              <a:spcBef>
+                <a:spcPts val="1500"/>
               </a:spcBef>
-              <a:defRPr sz="2200" b="1"/>
-            </a:pPr>
-            <a:r>
-              <a:t>📥 Input Parameters What data goes into the function</a:t>
+              <a:defRPr sz="2400" b="1">
+                <a:solidFill>
+                  <a:srgbClr val="009900"/>
+                </a:solidFill>
+              </a:defRPr>
+            </a:pPr>
+            <a:r>
+              <a:t>✅ Verified Results:</a:t>
             </a:r>
           </a:p>
           <a:p>
             <a:pPr lvl="1">
               <a:spcBef>
-                <a:spcPts val="500"/>
+                <a:spcPts val="800"/>
               </a:spcBef>
-              <a:defRPr sz="1800">
-                <a:solidFill>
-                  <a:srgbClr val="646464"/>
-                </a:solidFill>
-              </a:defRPr>
-            </a:pPr>
-            <a:r>
-              <a:t>Example: order_id, symbol, quantity, price</a:t>
+              <a:defRPr sz="1900"/>
+            </a:pPr>
+            <a:r>
+              <a:t>• Used in 2 workflows (retail + institutional)</a:t>
+            </a:r>
+          </a:p>
+          <a:p>
+            <a:pPr lvl="1">
+              <a:spcBef>
+                <a:spcPts val="800"/>
+              </a:spcBef>
+              <a:defRPr sz="1900"/>
+            </a:pPr>
+            <a:r>
+              <a:t>• Calls 5 helper functions for risk calculation</a:t>
+            </a:r>
+          </a:p>
+          <a:p>
+            <a:pPr lvl="1">
+              <a:spcBef>
+                <a:spcPts val="800"/>
+              </a:spcBef>
+              <a:defRPr sz="1900"/>
+            </a:pPr>
+            <a:r>
+              <a:t>• Fields accessed: position_size_risk, volatility_risk, quantity_risk</a:t>
+            </a:r>
+          </a:p>
+          <a:p>
+            <a:pPr lvl="1">
+              <a:spcBef>
+                <a:spcPts val="800"/>
+              </a:spcBef>
+              <a:defRPr sz="1900"/>
+            </a:pPr>
+            <a:r>
+              <a:t>• Complete data contract documented automatically</a:t>
             </a:r>
           </a:p>
           <a:p>
             <a:pPr>
               <a:spcBef>
-                <a:spcPts val="2000"/>
+                <a:spcPts val="2500"/>
               </a:spcBef>
-              <a:defRPr sz="2200" b="1"/>
-            </a:pPr>
-            <a:r>
-              <a:t>📤 Return Values What data comes out</a:t>
-            </a:r>
-          </a:p>
-          <a:p>
-            <a:pPr lvl="1">
-              <a:spcBef>
-                <a:spcPts val="500"/>
-              </a:spcBef>
-              <a:defRPr sz="1800">
-                <a:solidFill>
-                  <a:srgbClr val="646464"/>
-                </a:solidFill>
-              </a:defRPr>
-            </a:pPr>
-            <a:r>
-              <a:t>Example: risk_score (float), approved (boolean)</a:t>
-            </a:r>
-          </a:p>
-          <a:p>
-            <a:pPr>
-              <a:spcBef>
-                <a:spcPts val="2000"/>
-              </a:spcBef>
-              <a:defRPr sz="2200" b="1"/>
-            </a:pPr>
-            <a:r>
-              <a:t>🔄 Fields Accessed Which data fields are read or modified</a:t>
-            </a:r>
-          </a:p>
-          <a:p>
-            <a:pPr lvl="1">
-              <a:spcBef>
-                <a:spcPts val="500"/>
-              </a:spcBef>
-              <a:defRPr sz="1800">
-                <a:solidFill>
-                  <a:srgbClr val="646464"/>
-                </a:solidFill>
-              </a:defRPr>
-            </a:pPr>
-            <a:r>
-              <a:t>Example: .get('total_cost'), .get('risk_limit')</a:t>
-            </a:r>
-          </a:p>
-        </p:txBody>
-      </p:sp>
-      <p:sp>
-        <p:nvSpPr>
-          <p:cNvPr id="4" name="TextBox 3"/>
-          <p:cNvSpPr txBox="1"/>
-          <p:nvPr/>
-        </p:nvSpPr>
-        <p:spPr>
-          <a:xfrm>
-            <a:off x="914400" y="5760720"/>
-            <a:ext cx="7315200" cy="731520"/>
-          </a:xfrm>
-          <a:prstGeom prst="rect">
-            <a:avLst/>
-          </a:prstGeom>
-          <a:noFill/>
-        </p:spPr>
-        <p:txBody>
-          <a:bodyPr wrap="none">
-            <a:spAutoFit/>
-          </a:bodyPr>
-          <a:lstStyle/>
-          <a:p>
-            <a:pPr algn="ctr">
-              <a:defRPr sz="2200" b="1">
-                <a:solidFill>
-                  <a:srgbClr val="009900"/>
-                </a:solidFill>
-              </a:defRPr>
-            </a:pPr>
-            <a:r>
-              <a:t>Result: Trace data bugs in minutes instead of days</a:t>
+              <a:defRPr sz="2000" b="1">
+                <a:solidFill>
+                  <a:srgbClr val="0066CC"/>
+                </a:solidFill>
+              </a:defRPr>
+            </a:pPr>
+            <a:r>
+              <a:t>💡 Value: API documentation generated automatically from code</a:t>
             </a:r>
           </a:p>
         </p:txBody>
@@ -4969,75 +5397,21 @@
               </a:defRPr>
             </a:pPr>
             <a:r>
-              <a:t>How It Works: AI + Knowledge Graph</a:t>
-            </a:r>
-          </a:p>
-        </p:txBody>
-      </p:sp>
-      <p:sp>
-        <p:nvSpPr>
-          <p:cNvPr id="3" name="Rectangle 2"/>
-          <p:cNvSpPr/>
-          <p:nvPr/>
-        </p:nvSpPr>
-        <p:spPr>
-          <a:xfrm>
-            <a:off x="731520" y="2286000"/>
-            <a:ext cx="2286000" cy="1097280"/>
-          </a:xfrm>
-          <a:prstGeom prst="rect">
-            <a:avLst/>
-          </a:prstGeom>
-          <a:solidFill>
-            <a:srgbClr val="0066CC"/>
-          </a:solidFill>
-          <a:ln w="25400">
-            <a:solidFill>
-              <a:srgbClr val="003366"/>
-            </a:solidFill>
-          </a:ln>
-        </p:spPr>
-        <p:style>
-          <a:lnRef idx="1">
-            <a:schemeClr val="accent1"/>
-          </a:lnRef>
-          <a:fillRef idx="3">
-            <a:schemeClr val="accent1"/>
-          </a:fillRef>
-          <a:effectRef idx="2">
-            <a:schemeClr val="accent1"/>
-          </a:effectRef>
-          <a:fontRef idx="minor">
-            <a:schemeClr val="lt1"/>
-          </a:fontRef>
-        </p:style>
-        <p:txBody>
-          <a:bodyPr rtlCol="0" anchor="ctr" wrap="square"/>
-          <a:lstStyle/>
-          <a:p>
-            <a:pPr algn="ctr">
-              <a:defRPr sz="2000" b="1">
-                <a:solidFill>
-                  <a:srgbClr val="FFFFFF"/>
-                </a:solidFill>
-              </a:defRPr>
-            </a:pPr>
-            <a:r>
-              <a:t>1. Parse Code</a:t>
-            </a:r>
-          </a:p>
-        </p:txBody>
-      </p:sp>
-      <p:sp>
-        <p:nvSpPr>
-          <p:cNvPr id="4" name="TextBox 3"/>
+              <a:t>What We Track: Complete Context</a:t>
+            </a:r>
+          </a:p>
+        </p:txBody>
+      </p:sp>
+      <p:sp>
+        <p:nvSpPr>
+          <p:cNvPr id="3" name="TextBox 2"/>
           <p:cNvSpPr txBox="1"/>
           <p:nvPr/>
         </p:nvSpPr>
         <p:spPr>
           <a:xfrm>
-            <a:off x="731520" y="3566160"/>
-            <a:ext cx="2286000" cy="731520"/>
+            <a:off x="731520" y="1371600"/>
+            <a:ext cx="7772400" cy="5029200"/>
           </a:xfrm>
           <a:prstGeom prst="rect">
             <a:avLst/>
@@ -5049,125 +5423,108 @@
             <a:spAutoFit/>
           </a:bodyPr>
           <a:lstStyle/>
-          <a:p>
-            <a:pPr algn="ctr">
-              <a:defRPr sz="1600"/>
-            </a:pPr>
-            <a:r>
-              <a:t>Build knowledge graph of all functions &amp; dependencies</a:t>
-            </a:r>
-          </a:p>
-        </p:txBody>
-      </p:sp>
-      <p:sp>
-        <p:nvSpPr>
-          <p:cNvPr id="5" name="Can 4"/>
-          <p:cNvSpPr/>
-          <p:nvPr/>
-        </p:nvSpPr>
-        <p:spPr>
-          <a:xfrm>
-            <a:off x="3108960" y="2651760"/>
-            <a:ext cx="365760" cy="365760"/>
-          </a:xfrm>
-          <a:prstGeom prst="can">
-            <a:avLst/>
-          </a:prstGeom>
-          <a:solidFill>
-            <a:srgbClr val="009900"/>
-          </a:solidFill>
-          <a:ln>
-            <a:solidFill>
-              <a:srgbClr val="009900"/>
-            </a:solidFill>
-          </a:ln>
-        </p:spPr>
-        <p:style>
-          <a:lnRef idx="1">
-            <a:schemeClr val="accent1"/>
-          </a:lnRef>
-          <a:fillRef idx="3">
-            <a:schemeClr val="accent1"/>
-          </a:fillRef>
-          <a:effectRef idx="2">
-            <a:schemeClr val="accent1"/>
-          </a:effectRef>
-          <a:fontRef idx="minor">
-            <a:schemeClr val="lt1"/>
-          </a:fontRef>
-        </p:style>
-        <p:txBody>
-          <a:bodyPr rtlCol="0" anchor="ctr"/>
-          <a:lstStyle/>
-          <a:p>
-            <a:pPr algn="ctr"/>
-          </a:p>
-        </p:txBody>
-      </p:sp>
-      <p:sp>
-        <p:nvSpPr>
-          <p:cNvPr id="6" name="Rectangle 5"/>
-          <p:cNvSpPr/>
-          <p:nvPr/>
-        </p:nvSpPr>
-        <p:spPr>
-          <a:xfrm>
-            <a:off x="3749039" y="2286000"/>
-            <a:ext cx="2286000" cy="1097280"/>
-          </a:xfrm>
-          <a:prstGeom prst="rect">
-            <a:avLst/>
-          </a:prstGeom>
-          <a:solidFill>
-            <a:srgbClr val="0066CC"/>
-          </a:solidFill>
-          <a:ln w="25400">
-            <a:solidFill>
-              <a:srgbClr val="003366"/>
-            </a:solidFill>
-          </a:ln>
-        </p:spPr>
-        <p:style>
-          <a:lnRef idx="1">
-            <a:schemeClr val="accent1"/>
-          </a:lnRef>
-          <a:fillRef idx="3">
-            <a:schemeClr val="accent1"/>
-          </a:fillRef>
-          <a:effectRef idx="2">
-            <a:schemeClr val="accent1"/>
-          </a:effectRef>
-          <a:fontRef idx="minor">
-            <a:schemeClr val="lt1"/>
-          </a:fontRef>
-        </p:style>
-        <p:txBody>
-          <a:bodyPr rtlCol="0" anchor="ctr" wrap="square"/>
-          <a:lstStyle/>
-          <a:p>
-            <a:pPr algn="ctr">
-              <a:defRPr sz="2000" b="1">
-                <a:solidFill>
-                  <a:srgbClr val="FFFFFF"/>
-                </a:solidFill>
-              </a:defRPr>
-            </a:pPr>
-            <a:r>
-              <a:t>2. AI Analysis</a:t>
-            </a:r>
-          </a:p>
-        </p:txBody>
-      </p:sp>
-      <p:sp>
-        <p:nvSpPr>
-          <p:cNvPr id="7" name="TextBox 6"/>
+          <a:p/>
+          <a:p>
+            <a:pPr>
+              <a:spcAft>
+                <a:spcPts val="2000"/>
+              </a:spcAft>
+              <a:defRPr sz="2600" b="1"/>
+            </a:pPr>
+            <a:r>
+              <a:t>For Every Function in the System:</a:t>
+            </a:r>
+          </a:p>
+          <a:p>
+            <a:pPr>
+              <a:spcBef>
+                <a:spcPts val="2000"/>
+              </a:spcBef>
+              <a:defRPr sz="2200" b="1"/>
+            </a:pPr>
+            <a:r>
+              <a:t>📥 Input Parameters What data goes into the function</a:t>
+            </a:r>
+          </a:p>
+          <a:p>
+            <a:pPr lvl="1">
+              <a:spcBef>
+                <a:spcPts val="500"/>
+              </a:spcBef>
+              <a:defRPr sz="1800">
+                <a:solidFill>
+                  <a:srgbClr val="646464"/>
+                </a:solidFill>
+              </a:defRPr>
+            </a:pPr>
+            <a:r>
+              <a:t>Example: order_id, symbol, quantity, price</a:t>
+            </a:r>
+          </a:p>
+          <a:p>
+            <a:pPr>
+              <a:spcBef>
+                <a:spcPts val="2000"/>
+              </a:spcBef>
+              <a:defRPr sz="2200" b="1"/>
+            </a:pPr>
+            <a:r>
+              <a:t>📤 Return Values What data comes out</a:t>
+            </a:r>
+          </a:p>
+          <a:p>
+            <a:pPr lvl="1">
+              <a:spcBef>
+                <a:spcPts val="500"/>
+              </a:spcBef>
+              <a:defRPr sz="1800">
+                <a:solidFill>
+                  <a:srgbClr val="646464"/>
+                </a:solidFill>
+              </a:defRPr>
+            </a:pPr>
+            <a:r>
+              <a:t>Example: risk_score (float), approved (boolean)</a:t>
+            </a:r>
+          </a:p>
+          <a:p>
+            <a:pPr>
+              <a:spcBef>
+                <a:spcPts val="2000"/>
+              </a:spcBef>
+              <a:defRPr sz="2200" b="1"/>
+            </a:pPr>
+            <a:r>
+              <a:t>🔄 Fields Accessed Which data fields are read or modified</a:t>
+            </a:r>
+          </a:p>
+          <a:p>
+            <a:pPr lvl="1">
+              <a:spcBef>
+                <a:spcPts val="500"/>
+              </a:spcBef>
+              <a:defRPr sz="1800">
+                <a:solidFill>
+                  <a:srgbClr val="646464"/>
+                </a:solidFill>
+              </a:defRPr>
+            </a:pPr>
+            <a:r>
+              <a:t>Example: .get('total_cost'), .get('risk_limit')</a:t>
+            </a:r>
+          </a:p>
+        </p:txBody>
+      </p:sp>
+      <p:sp>
+        <p:nvSpPr>
+          <p:cNvPr id="4" name="TextBox 3"/>
           <p:cNvSpPr txBox="1"/>
           <p:nvPr/>
         </p:nvSpPr>
         <p:spPr>
           <a:xfrm>
-            <a:off x="3749039" y="3566160"/>
-            <a:ext cx="2286000" cy="731520"/>
+            <a:off x="914400" y="5760720"/>
+            <a:ext cx="7315200" cy="731520"/>
           </a:xfrm>
           <a:prstGeom prst="rect">
             <a:avLst/>
@@ -5175,146 +5532,20 @@
           <a:noFill/>
         </p:spPr>
         <p:txBody>
-          <a:bodyPr wrap="square">
+          <a:bodyPr wrap="none">
             <a:spAutoFit/>
           </a:bodyPr>
           <a:lstStyle/>
           <a:p>
             <a:pPr algn="ctr">
-              <a:defRPr sz="1600"/>
-            </a:pPr>
-            <a:r>
-              <a:t>LLM analyzes graph, understands relationships &amp; data flow</a:t>
-            </a:r>
-          </a:p>
-        </p:txBody>
-      </p:sp>
-      <p:sp>
-        <p:nvSpPr>
-          <p:cNvPr id="8" name="Can 7"/>
-          <p:cNvSpPr/>
-          <p:nvPr/>
-        </p:nvSpPr>
-        <p:spPr>
-          <a:xfrm>
-            <a:off x="6126479" y="2651760"/>
-            <a:ext cx="365760" cy="365760"/>
-          </a:xfrm>
-          <a:prstGeom prst="can">
-            <a:avLst/>
-          </a:prstGeom>
-          <a:solidFill>
-            <a:srgbClr val="009900"/>
-          </a:solidFill>
-          <a:ln>
-            <a:solidFill>
-              <a:srgbClr val="009900"/>
-            </a:solidFill>
-          </a:ln>
-        </p:spPr>
-        <p:style>
-          <a:lnRef idx="1">
-            <a:schemeClr val="accent1"/>
-          </a:lnRef>
-          <a:fillRef idx="3">
-            <a:schemeClr val="accent1"/>
-          </a:fillRef>
-          <a:effectRef idx="2">
-            <a:schemeClr val="accent1"/>
-          </a:effectRef>
-          <a:fontRef idx="minor">
-            <a:schemeClr val="lt1"/>
-          </a:fontRef>
-        </p:style>
-        <p:txBody>
-          <a:bodyPr rtlCol="0" anchor="ctr"/>
-          <a:lstStyle/>
-          <a:p>
-            <a:pPr algn="ctr"/>
-          </a:p>
-        </p:txBody>
-      </p:sp>
-      <p:sp>
-        <p:nvSpPr>
-          <p:cNvPr id="9" name="Rectangle 8"/>
-          <p:cNvSpPr/>
-          <p:nvPr/>
-        </p:nvSpPr>
-        <p:spPr>
-          <a:xfrm>
-            <a:off x="6766559" y="2286000"/>
-            <a:ext cx="2286000" cy="1097280"/>
-          </a:xfrm>
-          <a:prstGeom prst="rect">
-            <a:avLst/>
-          </a:prstGeom>
-          <a:solidFill>
-            <a:srgbClr val="0066CC"/>
-          </a:solidFill>
-          <a:ln w="25400">
-            <a:solidFill>
-              <a:srgbClr val="003366"/>
-            </a:solidFill>
-          </a:ln>
-        </p:spPr>
-        <p:style>
-          <a:lnRef idx="1">
-            <a:schemeClr val="accent1"/>
-          </a:lnRef>
-          <a:fillRef idx="3">
-            <a:schemeClr val="accent1"/>
-          </a:fillRef>
-          <a:effectRef idx="2">
-            <a:schemeClr val="accent1"/>
-          </a:effectRef>
-          <a:fontRef idx="minor">
-            <a:schemeClr val="lt1"/>
-          </a:fontRef>
-        </p:style>
-        <p:txBody>
-          <a:bodyPr rtlCol="0" anchor="ctr" wrap="square"/>
-          <a:lstStyle/>
-          <a:p>
-            <a:pPr algn="ctr">
-              <a:defRPr sz="2000" b="1">
-                <a:solidFill>
-                  <a:srgbClr val="FFFFFF"/>
-                </a:solidFill>
-              </a:defRPr>
-            </a:pPr>
-            <a:r>
-              <a:t>3. Natural Language</a:t>
-            </a:r>
-          </a:p>
-        </p:txBody>
-      </p:sp>
-      <p:sp>
-        <p:nvSpPr>
-          <p:cNvPr id="10" name="TextBox 9"/>
-          <p:cNvSpPr txBox="1"/>
-          <p:nvPr/>
-        </p:nvSpPr>
-        <p:spPr>
-          <a:xfrm>
-            <a:off x="6766559" y="3566160"/>
-            <a:ext cx="2286000" cy="731520"/>
-          </a:xfrm>
-          <a:prstGeom prst="rect">
-            <a:avLst/>
-          </a:prstGeom>
-          <a:noFill/>
-        </p:spPr>
-        <p:txBody>
-          <a:bodyPr wrap="square">
-            <a:spAutoFit/>
-          </a:bodyPr>
-          <a:lstStyle/>
-          <a:p>
-            <a:pPr algn="ctr">
-              <a:defRPr sz="1600"/>
-            </a:pPr>
-            <a:r>
-              <a:t>Engineers query in plain English, AI provides intelligent answers</a:t>
+              <a:defRPr sz="2200" b="1">
+                <a:solidFill>
+                  <a:srgbClr val="009900"/>
+                </a:solidFill>
+              </a:defRPr>
+            </a:pPr>
+            <a:r>
+              <a:t>Result: Trace data bugs in minutes instead of days</a:t>
             </a:r>
           </a:p>
         </p:txBody>
